--- a/SGW Project Update 7Mar18.pptx
+++ b/SGW Project Update 7Mar18.pptx
@@ -6103,11 +6103,7 @@
             </a:pPr>
             <a:r>
               <a:rPr lang="en-US" sz="3000" dirty="0" smtClean="0"/>
-              <a:t>Updated app from PHP 5.6 to </a:t>
-            </a:r>
-            <a:r>
-              <a:rPr lang="en-US" sz="3000" dirty="0" smtClean="0"/>
-              <a:t>7.2</a:t>
+              <a:t>Updated app from PHP 5.6 to 7.2</a:t>
             </a:r>
           </a:p>
           <a:p>
@@ -7324,7 +7320,7 @@
       </p:sp>
       <p:pic>
         <p:nvPicPr>
-          <p:cNvPr id="7170" name="Picture 2"/>
+          <p:cNvPr id="1026" name="Picture 2"/>
           <p:cNvPicPr>
             <a:picLocks noChangeAspect="1" noChangeArrowheads="1"/>
           </p:cNvPicPr>
@@ -7345,8 +7341,8 @@
         </p:blipFill>
         <p:spPr bwMode="auto">
           <a:xfrm>
-            <a:off x="52450" y="1540085"/>
-            <a:ext cx="9067800" cy="5206090"/>
+            <a:off x="35626" y="1539619"/>
+            <a:ext cx="9067800" cy="5242181"/>
           </a:xfrm>
           <a:prstGeom prst="rect">
             <a:avLst/>
@@ -8205,13 +8201,8 @@
             </a:pPr>
             <a:r>
               <a:rPr lang="en-US" dirty="0" smtClean="0"/>
-              <a:t>Establish </a:t>
-            </a:r>
-            <a:r>
-              <a:rPr lang="en-US" dirty="0" smtClean="0"/>
-              <a:t>Admin Documentation &amp; Video Tutorials</a:t>
-            </a:r>
-            <a:endParaRPr lang="en-US" dirty="0" smtClean="0"/>
+              <a:t>Establish Admin Documentation &amp; Video Tutorials</a:t>
+            </a:r>
           </a:p>
           <a:p>
             <a:pPr lvl="1">

--- a/SGW Project Update 7Mar18.pptx
+++ b/SGW Project Update 7Mar18.pptx
@@ -7450,13 +7450,13 @@
         </p:nvSpPr>
         <p:spPr>
           <a:xfrm>
-            <a:off x="533400" y="1447800"/>
+            <a:off x="533400" y="1524000"/>
             <a:ext cx="8382000" cy="4419600"/>
           </a:xfrm>
         </p:spPr>
         <p:txBody>
           <a:bodyPr>
-            <a:normAutofit/>
+            <a:normAutofit lnSpcReduction="10000"/>
           </a:bodyPr>
           <a:lstStyle/>
           <a:p>
@@ -7522,8 +7522,24 @@
             </a:pPr>
             <a:r>
               <a:rPr lang="en-US" dirty="0" smtClean="0"/>
-              <a:t>Events Page Updates</a:t>
-            </a:r>
+              <a:t>Events Page </a:t>
+            </a:r>
+            <a:r>
+              <a:rPr lang="en-US" dirty="0" smtClean="0"/>
+              <a:t>Updates</a:t>
+            </a:r>
+          </a:p>
+          <a:p>
+            <a:pPr lvl="1">
+              <a:spcBef>
+                <a:spcPts val="1200"/>
+              </a:spcBef>
+            </a:pPr>
+            <a:r>
+              <a:rPr lang="en-US" dirty="0" smtClean="0"/>
+              <a:t>Generate Admin Reports</a:t>
+            </a:r>
+            <a:endParaRPr lang="en-US" dirty="0" smtClean="0"/>
           </a:p>
           <a:p>
             <a:pPr>

--- a/SGW Project Update 7Mar18.pptx
+++ b/SGW Project Update 7Mar18.pptx
@@ -211,7 +211,7 @@
           <a:p>
             <a:fld id="{F5E77B19-4C30-44B4-BD0B-CE34772B3C65}" type="datetimeFigureOut">
               <a:rPr lang="en-US" smtClean="0"/>
-              <a:t>3/5/2018</a:t>
+              <a:t>3/6/2018</a:t>
             </a:fld>
             <a:endParaRPr lang="en-US" dirty="0"/>
           </a:p>
@@ -2375,7 +2375,7 @@
           <a:p>
             <a:fld id="{14973A1A-3B12-4F13-9E45-4B4F2CF06D13}" type="datetimeFigureOut">
               <a:rPr lang="en-US" smtClean="0"/>
-              <a:t>3/5/2018</a:t>
+              <a:t>3/6/2018</a:t>
             </a:fld>
             <a:endParaRPr lang="en-US" dirty="0"/>
           </a:p>
@@ -2586,7 +2586,7 @@
           <a:p>
             <a:fld id="{14973A1A-3B12-4F13-9E45-4B4F2CF06D13}" type="datetimeFigureOut">
               <a:rPr lang="en-US" smtClean="0"/>
-              <a:t>3/5/2018</a:t>
+              <a:t>3/6/2018</a:t>
             </a:fld>
             <a:endParaRPr lang="en-US" dirty="0"/>
           </a:p>
@@ -2766,7 +2766,7 @@
           <a:p>
             <a:fld id="{14973A1A-3B12-4F13-9E45-4B4F2CF06D13}" type="datetimeFigureOut">
               <a:rPr lang="en-US" smtClean="0"/>
-              <a:t>3/5/2018</a:t>
+              <a:t>3/6/2018</a:t>
             </a:fld>
             <a:endParaRPr lang="en-US" dirty="0"/>
           </a:p>
@@ -2936,7 +2936,7 @@
           <a:p>
             <a:fld id="{14973A1A-3B12-4F13-9E45-4B4F2CF06D13}" type="datetimeFigureOut">
               <a:rPr lang="en-US" smtClean="0"/>
-              <a:t>3/5/2018</a:t>
+              <a:t>3/6/2018</a:t>
             </a:fld>
             <a:endParaRPr lang="en-US" dirty="0"/>
           </a:p>
@@ -3230,7 +3230,7 @@
           <a:p>
             <a:fld id="{14973A1A-3B12-4F13-9E45-4B4F2CF06D13}" type="datetimeFigureOut">
               <a:rPr lang="en-US" smtClean="0"/>
-              <a:t>3/5/2018</a:t>
+              <a:t>3/6/2018</a:t>
             </a:fld>
             <a:endParaRPr lang="en-US" dirty="0"/>
           </a:p>
@@ -3518,7 +3518,7 @@
           <a:p>
             <a:fld id="{14973A1A-3B12-4F13-9E45-4B4F2CF06D13}" type="datetimeFigureOut">
               <a:rPr lang="en-US" smtClean="0"/>
-              <a:t>3/5/2018</a:t>
+              <a:t>3/6/2018</a:t>
             </a:fld>
             <a:endParaRPr lang="en-US" dirty="0"/>
           </a:p>
@@ -3940,7 +3940,7 @@
           <a:p>
             <a:fld id="{14973A1A-3B12-4F13-9E45-4B4F2CF06D13}" type="datetimeFigureOut">
               <a:rPr lang="en-US" smtClean="0"/>
-              <a:t>3/5/2018</a:t>
+              <a:t>3/6/2018</a:t>
             </a:fld>
             <a:endParaRPr lang="en-US" dirty="0"/>
           </a:p>
@@ -4058,7 +4058,7 @@
           <a:p>
             <a:fld id="{14973A1A-3B12-4F13-9E45-4B4F2CF06D13}" type="datetimeFigureOut">
               <a:rPr lang="en-US" smtClean="0"/>
-              <a:t>3/5/2018</a:t>
+              <a:t>3/6/2018</a:t>
             </a:fld>
             <a:endParaRPr lang="en-US" dirty="0"/>
           </a:p>
@@ -4153,7 +4153,7 @@
           <a:p>
             <a:fld id="{14973A1A-3B12-4F13-9E45-4B4F2CF06D13}" type="datetimeFigureOut">
               <a:rPr lang="en-US" smtClean="0"/>
-              <a:t>3/5/2018</a:t>
+              <a:t>3/6/2018</a:t>
             </a:fld>
             <a:endParaRPr lang="en-US" dirty="0"/>
           </a:p>
@@ -4430,7 +4430,7 @@
           <a:p>
             <a:fld id="{14973A1A-3B12-4F13-9E45-4B4F2CF06D13}" type="datetimeFigureOut">
               <a:rPr lang="en-US" smtClean="0"/>
-              <a:t>3/5/2018</a:t>
+              <a:t>3/6/2018</a:t>
             </a:fld>
             <a:endParaRPr lang="en-US" dirty="0"/>
           </a:p>
@@ -4683,7 +4683,7 @@
           <a:p>
             <a:fld id="{14973A1A-3B12-4F13-9E45-4B4F2CF06D13}" type="datetimeFigureOut">
               <a:rPr lang="en-US" smtClean="0"/>
-              <a:t>3/5/2018</a:t>
+              <a:t>3/6/2018</a:t>
             </a:fld>
             <a:endParaRPr lang="en-US" dirty="0"/>
           </a:p>
@@ -4906,7 +4906,7 @@
           <a:p>
             <a:fld id="{14973A1A-3B12-4F13-9E45-4B4F2CF06D13}" type="datetimeFigureOut">
               <a:rPr lang="en-US" smtClean="0"/>
-              <a:t>3/5/2018</a:t>
+              <a:t>3/6/2018</a:t>
             </a:fld>
             <a:endParaRPr lang="en-US" dirty="0"/>
           </a:p>
@@ -6114,7 +6114,11 @@
             </a:pPr>
             <a:r>
               <a:rPr lang="en-US" sz="3000" dirty="0" smtClean="0"/>
-              <a:t>Changed Top Menu Bar to Left Side-bar</a:t>
+              <a:t>Changed Top Menu Bar to Left </a:t>
+            </a:r>
+            <a:r>
+              <a:rPr lang="en-US" sz="3000" dirty="0" smtClean="0"/>
+              <a:t>Sidebar</a:t>
             </a:r>
             <a:endParaRPr lang="en-US" sz="3000" dirty="0"/>
           </a:p>
@@ -6544,7 +6548,11 @@
             </a:pPr>
             <a:r>
               <a:rPr lang="en-US" dirty="0" smtClean="0"/>
-              <a:t>Moved Top Menu Bar to Left Side-bar</a:t>
+              <a:t>Moved Top Menu Bar to Left </a:t>
+            </a:r>
+            <a:r>
+              <a:rPr lang="en-US" dirty="0" smtClean="0"/>
+              <a:t>Sidebar</a:t>
             </a:r>
             <a:endParaRPr lang="en-US" dirty="0"/>
           </a:p>
@@ -7522,11 +7530,7 @@
             </a:pPr>
             <a:r>
               <a:rPr lang="en-US" dirty="0" smtClean="0"/>
-              <a:t>Events Page </a:t>
-            </a:r>
-            <a:r>
-              <a:rPr lang="en-US" dirty="0" smtClean="0"/>
-              <a:t>Updates</a:t>
+              <a:t>Events Page Updates</a:t>
             </a:r>
           </a:p>
           <a:p>
@@ -7537,9 +7541,12 @@
             </a:pPr>
             <a:r>
               <a:rPr lang="en-US" dirty="0" smtClean="0"/>
-              <a:t>Generate Admin Reports</a:t>
-            </a:r>
-            <a:endParaRPr lang="en-US" dirty="0" smtClean="0"/>
+              <a:t>Generating </a:t>
+            </a:r>
+            <a:r>
+              <a:rPr lang="en-US" dirty="0" smtClean="0"/>
+              <a:t>Admin Reports</a:t>
+            </a:r>
           </a:p>
           <a:p>
             <a:pPr>
